--- a/lectures/src/Welcome and overview.pptx
+++ b/lectures/src/Welcome and overview.pptx
@@ -5393,6 +5393,12 @@
               </a:rPr>
               <a:t> architecture and understanding how to build these</a:t>
             </a:r>
+            <a:endParaRPr lang="en-GB" sz="2200" dirty="0">
+              <a:solidFill>
+                <a:srgbClr val="000000"/>
+              </a:solidFill>
+              <a:latin typeface="Arial" panose="020B0604020202020204" pitchFamily="34" charset="0"/>
+            </a:endParaRPr>
           </a:p>
           <a:p>
             <a:pPr marL="342900" indent="-342900" fontAlgn="base">
@@ -5410,7 +5416,7 @@
                 <a:effectLst/>
                 <a:latin typeface="Arial" panose="020B0604020202020204" pitchFamily="34" charset="0"/>
               </a:rPr>
-              <a:t>Writing multi-PE codes for the </a:t>
+              <a:t>Optimising codes on </a:t>
             </a:r>
             <a:r>
               <a:rPr lang="en-GB" b="0" i="0" u="none" strike="noStrike" dirty="0" err="1">
@@ -5420,30 +5426,17 @@
                 <a:effectLst/>
                 <a:latin typeface="Arial" panose="020B0604020202020204" pitchFamily="34" charset="0"/>
               </a:rPr>
-              <a:t>Tensrottent</a:t>
-            </a:r>
-            <a:endParaRPr lang="en-GB" b="0" i="0" u="none" strike="noStrike" dirty="0">
-              <a:solidFill>
-                <a:srgbClr val="000000"/>
-              </a:solidFill>
-              <a:effectLst/>
-              <a:latin typeface="Arial" panose="020B0604020202020204" pitchFamily="34" charset="0"/>
-            </a:endParaRPr>
-          </a:p>
-          <a:p>
-            <a:pPr lvl="1" fontAlgn="base">
-              <a:spcBef>
-                <a:spcPts val="0"/>
-              </a:spcBef>
-            </a:pPr>
-            <a:r>
-              <a:rPr lang="en-GB" sz="1800" dirty="0">
+              <a:t>Tenstorrent</a:t>
+            </a:r>
+            <a:r>
+              <a:rPr lang="en-GB" b="0" i="0" u="none" strike="noStrike" dirty="0">
                 <a:solidFill>
                   <a:srgbClr val="000000"/>
                 </a:solidFill>
+                <a:effectLst/>
                 <a:latin typeface="Arial" panose="020B0604020202020204" pitchFamily="34" charset="0"/>
               </a:rPr>
-              <a:t>Exploring how we can run over multiple PEs, have these communicate together</a:t>
+              <a:t> by using the matrix engine and vector unit</a:t>
             </a:r>
             <a:endParaRPr lang="en-GB" sz="1800" b="0" i="0" u="none" strike="noStrike" dirty="0">
               <a:solidFill>
@@ -5454,13 +5447,44 @@
             </a:endParaRPr>
           </a:p>
           <a:p>
-            <a:pPr marL="342900" indent="-342900" rtl="0" fontAlgn="base">
+            <a:pPr lvl="1" fontAlgn="base">
               <a:spcBef>
                 <a:spcPts val="0"/>
               </a:spcBef>
-              <a:spcAft>
+            </a:pPr>
+            <a:r>
+              <a:rPr lang="en-GB" sz="1800" dirty="0">
+                <a:solidFill>
+                  <a:srgbClr val="000000"/>
+                </a:solidFill>
+                <a:latin typeface="Arial" panose="020B0604020202020204" pitchFamily="34" charset="0"/>
+              </a:rPr>
+              <a:t>Throughout we will be running on real </a:t>
+            </a:r>
+            <a:r>
+              <a:rPr lang="en-GB" sz="1800" dirty="0" err="1">
+                <a:solidFill>
+                  <a:srgbClr val="000000"/>
+                </a:solidFill>
+                <a:latin typeface="Arial" panose="020B0604020202020204" pitchFamily="34" charset="0"/>
+              </a:rPr>
+              <a:t>Tenstorrent</a:t>
+            </a:r>
+            <a:r>
+              <a:rPr lang="en-GB" sz="1800" dirty="0">
+                <a:solidFill>
+                  <a:srgbClr val="000000"/>
+                </a:solidFill>
+                <a:latin typeface="Arial" panose="020B0604020202020204" pitchFamily="34" charset="0"/>
+              </a:rPr>
+              <a:t> hardware</a:t>
+            </a:r>
+          </a:p>
+          <a:p>
+            <a:pPr marL="342900" indent="-342900" fontAlgn="base">
+              <a:spcBef>
                 <a:spcPts val="0"/>
-              </a:spcAft>
+              </a:spcBef>
               <a:buFont typeface="+mj-lt"/>
               <a:buAutoNum type="arabicPeriod"/>
             </a:pPr>
@@ -5472,71 +5496,8 @@
                 <a:effectLst/>
                 <a:latin typeface="Arial" panose="020B0604020202020204" pitchFamily="34" charset="0"/>
               </a:rPr>
-              <a:t>Running on a real </a:t>
-            </a:r>
-            <a:r>
-              <a:rPr lang="en-GB" dirty="0" err="1">
-                <a:solidFill>
-                  <a:srgbClr val="000000"/>
-                </a:solidFill>
-                <a:latin typeface="Arial" panose="020B0604020202020204" pitchFamily="34" charset="0"/>
-              </a:rPr>
-              <a:t>Tenstorrent</a:t>
-            </a:r>
-            <a:r>
-              <a:rPr lang="en-GB" b="0" i="0" u="none" strike="noStrike" dirty="0">
-                <a:solidFill>
-                  <a:srgbClr val="000000"/>
-                </a:solidFill>
-                <a:effectLst/>
-                <a:latin typeface="Arial" panose="020B0604020202020204" pitchFamily="34" charset="0"/>
-              </a:rPr>
-              <a:t> machine</a:t>
-            </a:r>
-          </a:p>
-          <a:p>
-            <a:pPr lvl="1" fontAlgn="base">
-              <a:spcBef>
-                <a:spcPts val="0"/>
-              </a:spcBef>
-            </a:pPr>
-            <a:r>
-              <a:rPr lang="en-GB" sz="1800" dirty="0">
-                <a:solidFill>
-                  <a:srgbClr val="000000"/>
-                </a:solidFill>
-                <a:latin typeface="Arial" panose="020B0604020202020204" pitchFamily="34" charset="0"/>
-              </a:rPr>
-              <a:t>Throughout we will be running on real </a:t>
-            </a:r>
-            <a:r>
-              <a:rPr lang="en-GB" sz="1800" dirty="0" err="1">
-                <a:solidFill>
-                  <a:srgbClr val="000000"/>
-                </a:solidFill>
-                <a:latin typeface="Arial" panose="020B0604020202020204" pitchFamily="34" charset="0"/>
-              </a:rPr>
-              <a:t>Tenstorrent</a:t>
-            </a:r>
-            <a:r>
-              <a:rPr lang="en-GB" sz="1800" dirty="0">
-                <a:solidFill>
-                  <a:srgbClr val="000000"/>
-                </a:solidFill>
-                <a:latin typeface="Arial" panose="020B0604020202020204" pitchFamily="34" charset="0"/>
-              </a:rPr>
-              <a:t> hardware</a:t>
-            </a:r>
-            <a:endParaRPr lang="en-GB" sz="1800" b="0" i="0" u="none" strike="noStrike" dirty="0">
-              <a:solidFill>
-                <a:srgbClr val="000000"/>
-              </a:solidFill>
-              <a:effectLst/>
-              <a:latin typeface="Arial" panose="020B0604020202020204" pitchFamily="34" charset="0"/>
-            </a:endParaRPr>
-          </a:p>
-          <a:p>
-            <a:endParaRPr lang="en-GB" dirty="0"/>
+              <a:t>An awareness of RISC-V and how it underlies technologies such as this</a:t>
+            </a:r>
           </a:p>
         </p:txBody>
       </p:sp>

--- a/lectures/src/Welcome and overview.pptx
+++ b/lectures/src/Welcome and overview.pptx
@@ -137,14 +137,6 @@
 </p:presentation>
 </file>
 
-<file path=ppt/revisionInfo.xml><?xml version="1.0" encoding="utf-8"?>
-<p1510:revInfo xmlns:a="http://schemas.openxmlformats.org/drawingml/2006/main" xmlns:r="http://schemas.openxmlformats.org/officeDocument/2006/relationships" xmlns:p1510="http://schemas.microsoft.com/office/powerpoint/2015/10/main">
-  <p1510:revLst>
-    <p1510:client id="{347C9341-934D-4A1D-9A4A-4F136B02EA25}" v="45" dt="2025-04-19T12:01:24.601"/>
-  </p1510:revLst>
-</p1510:revInfo>
-</file>
-
 <file path=ppt/handoutMasters/handoutMaster1.xml><?xml version="1.0" encoding="utf-8"?>
 <p:handoutMaster xmlns:a="http://schemas.openxmlformats.org/drawingml/2006/main" xmlns:r="http://schemas.openxmlformats.org/officeDocument/2006/relationships" xmlns:p="http://schemas.openxmlformats.org/presentationml/2006/main">
   <p:cSld>
@@ -202,7 +194,7 @@
           <a:p>
             <a:fld id="{237A3326-6BE8-4DE2-A526-66D6DC5DC342}" type="datetimeFigureOut">
               <a:rPr lang="en-GB" smtClean="0"/>
-              <a:t>19/04/2025</a:t>
+              <a:t>01/09/2025</a:t>
             </a:fld>
             <a:endParaRPr lang="en-GB"/>
           </a:p>
@@ -379,7 +371,7 @@
           <a:p>
             <a:fld id="{198E9702-0021-4473-93B9-41638846F4C4}" type="datetimeFigureOut">
               <a:rPr lang="en-GB" smtClean="0"/>
-              <a:t>19/04/2025</a:t>
+              <a:t>01/09/2025</a:t>
             </a:fld>
             <a:endParaRPr lang="en-GB"/>
           </a:p>
@@ -891,7 +883,7 @@
           <a:p>
             <a:fld id="{B1836D41-3C4D-1D49-AA54-4231464E6415}" type="datetimeFigureOut">
               <a:rPr lang="en-US" smtClean="0"/>
-              <a:t>4/19/2025</a:t>
+              <a:t>9/1/2025</a:t>
             </a:fld>
             <a:endParaRPr lang="en-US"/>
           </a:p>
@@ -1095,7 +1087,7 @@
           <a:p>
             <a:fld id="{B1836D41-3C4D-1D49-AA54-4231464E6415}" type="datetimeFigureOut">
               <a:rPr lang="en-US" smtClean="0"/>
-              <a:t>4/19/2025</a:t>
+              <a:t>9/1/2025</a:t>
             </a:fld>
             <a:endParaRPr lang="en-US"/>
           </a:p>
@@ -1276,7 +1268,7 @@
           <a:p>
             <a:fld id="{B1836D41-3C4D-1D49-AA54-4231464E6415}" type="datetimeFigureOut">
               <a:rPr lang="en-US" smtClean="0"/>
-              <a:t>4/19/2025</a:t>
+              <a:t>9/1/2025</a:t>
             </a:fld>
             <a:endParaRPr lang="en-US"/>
           </a:p>
@@ -1451,7 +1443,7 @@
           <a:p>
             <a:fld id="{B1836D41-3C4D-1D49-AA54-4231464E6415}" type="datetimeFigureOut">
               <a:rPr lang="en-US" smtClean="0"/>
-              <a:t>4/19/2025</a:t>
+              <a:t>9/1/2025</a:t>
             </a:fld>
             <a:endParaRPr lang="en-US"/>
           </a:p>
@@ -1699,7 +1691,7 @@
           <a:p>
             <a:fld id="{B1836D41-3C4D-1D49-AA54-4231464E6415}" type="datetimeFigureOut">
               <a:rPr lang="en-US" smtClean="0"/>
-              <a:t>4/19/2025</a:t>
+              <a:t>9/1/2025</a:t>
             </a:fld>
             <a:endParaRPr lang="en-US"/>
           </a:p>
@@ -2016,7 +2008,7 @@
           <a:p>
             <a:fld id="{B1836D41-3C4D-1D49-AA54-4231464E6415}" type="datetimeFigureOut">
               <a:rPr lang="en-US" smtClean="0"/>
-              <a:t>4/19/2025</a:t>
+              <a:t>9/1/2025</a:t>
             </a:fld>
             <a:endParaRPr lang="en-US"/>
           </a:p>
@@ -2482,7 +2474,7 @@
           <a:p>
             <a:fld id="{B1836D41-3C4D-1D49-AA54-4231464E6415}" type="datetimeFigureOut">
               <a:rPr lang="en-US" smtClean="0"/>
-              <a:t>4/19/2025</a:t>
+              <a:t>9/1/2025</a:t>
             </a:fld>
             <a:endParaRPr lang="en-US"/>
           </a:p>
@@ -2629,7 +2621,7 @@
           <a:p>
             <a:fld id="{B1836D41-3C4D-1D49-AA54-4231464E6415}" type="datetimeFigureOut">
               <a:rPr lang="en-US" smtClean="0"/>
-              <a:t>4/19/2025</a:t>
+              <a:t>9/1/2025</a:t>
             </a:fld>
             <a:endParaRPr lang="en-US"/>
           </a:p>
@@ -2719,7 +2711,7 @@
           <a:p>
             <a:fld id="{B1836D41-3C4D-1D49-AA54-4231464E6415}" type="datetimeFigureOut">
               <a:rPr lang="en-US" smtClean="0"/>
-              <a:t>4/19/2025</a:t>
+              <a:t>9/1/2025</a:t>
             </a:fld>
             <a:endParaRPr lang="en-US"/>
           </a:p>
@@ -2993,7 +2985,7 @@
           <a:p>
             <a:fld id="{B1836D41-3C4D-1D49-AA54-4231464E6415}" type="datetimeFigureOut">
               <a:rPr lang="en-US" smtClean="0"/>
-              <a:t>4/19/2025</a:t>
+              <a:t>9/1/2025</a:t>
             </a:fld>
             <a:endParaRPr lang="en-US"/>
           </a:p>
@@ -3298,7 +3290,7 @@
           <a:p>
             <a:fld id="{B1836D41-3C4D-1D49-AA54-4231464E6415}" type="datetimeFigureOut">
               <a:rPr lang="en-US" smtClean="0"/>
-              <a:t>4/19/2025</a:t>
+              <a:t>9/1/2025</a:t>
             </a:fld>
             <a:endParaRPr lang="en-US"/>
           </a:p>
@@ -3595,7 +3587,7 @@
           <a:p>
             <a:fld id="{B1836D41-3C4D-1D49-AA54-4231464E6415}" type="datetimeFigureOut">
               <a:rPr lang="en-US" smtClean="0"/>
-              <a:t>4/19/2025</a:t>
+              <a:t>9/1/2025</a:t>
             </a:fld>
             <a:endParaRPr lang="en-US"/>
           </a:p>
@@ -4956,11 +4948,13 @@
         <p:spPr>
           <a:xfrm>
             <a:off x="609600" y="1600200"/>
-            <a:ext cx="6278488" cy="2620888"/>
+            <a:ext cx="6278488" cy="2836912"/>
           </a:xfrm>
         </p:spPr>
         <p:txBody>
-          <a:bodyPr/>
+          <a:bodyPr>
+            <a:normAutofit fontScale="92500" lnSpcReduction="10000"/>
+          </a:bodyPr>
           <a:lstStyle/>
           <a:p>
             <a:r>
@@ -4990,6 +4984,13 @@
             <a:r>
               <a:rPr lang="en-GB" dirty="0"/>
               <a:t>The next generation is the Blackhole</a:t>
+            </a:r>
+          </a:p>
+          <a:p>
+            <a:pPr lvl="1"/>
+            <a:r>
+              <a:rPr lang="en-GB" dirty="0"/>
+              <a:t>We have both Wormhole and Blackhole, using Wormhole today</a:t>
             </a:r>
           </a:p>
           <a:p>
@@ -5614,7 +5615,7 @@
           <p:nvPr>
             <p:extLst>
               <p:ext uri="{D42A27DB-BD31-4B8C-83A1-F6EECF244321}">
-                <p14:modId xmlns:p14="http://schemas.microsoft.com/office/powerpoint/2010/main" val="2255461253"/>
+                <p14:modId xmlns:p14="http://schemas.microsoft.com/office/powerpoint/2010/main" val="3451856883"/>
               </p:ext>
             </p:extLst>
           </p:nvPr>
@@ -5706,7 +5707,7 @@
                     <a:p>
                       <a:r>
                         <a:rPr lang="en-GB" sz="1400" dirty="0"/>
-                        <a:t>9:00 – 9:05</a:t>
+                        <a:t>14:00 – 14:05</a:t>
                       </a:r>
                     </a:p>
                   </a:txBody>
@@ -5761,7 +5762,7 @@
                     <a:p>
                       <a:r>
                         <a:rPr lang="en-GB" sz="1400" dirty="0"/>
-                        <a:t>9:05 – 9:30</a:t>
+                        <a:t>14:05 – 14:30</a:t>
                       </a:r>
                     </a:p>
                   </a:txBody>
@@ -5840,7 +5841,7 @@
                     <a:p>
                       <a:r>
                         <a:rPr lang="en-GB" sz="1400" dirty="0"/>
-                        <a:t>9:30 – 9:40</a:t>
+                        <a:t>14:30 – 14:40</a:t>
                       </a:r>
                     </a:p>
                   </a:txBody>
@@ -5919,7 +5920,7 @@
                     <a:p>
                       <a:r>
                         <a:rPr lang="en-GB" sz="1400" dirty="0"/>
-                        <a:t>9:40 – 10:30</a:t>
+                        <a:t>14:40 – 15:30</a:t>
                       </a:r>
                     </a:p>
                   </a:txBody>
@@ -6003,7 +6004,7 @@
                     <a:p>
                       <a:r>
                         <a:rPr lang="en-GB" sz="1400" dirty="0"/>
-                        <a:t>10:30 – 11:00</a:t>
+                        <a:t>15:30 – 16:00</a:t>
                       </a:r>
                     </a:p>
                   </a:txBody>
@@ -6055,7 +6056,7 @@
                     <a:p>
                       <a:r>
                         <a:rPr lang="en-GB" sz="1400" dirty="0"/>
-                        <a:t>11:00 – 11:05</a:t>
+                        <a:t>16:00 – 16:05</a:t>
                       </a:r>
                     </a:p>
                   </a:txBody>
@@ -6110,7 +6111,7 @@
                     <a:p>
                       <a:r>
                         <a:rPr lang="en-GB" sz="1400" dirty="0"/>
-                        <a:t>11:05 – 11:25</a:t>
+                        <a:t>16:05 – 16:25</a:t>
                       </a:r>
                     </a:p>
                   </a:txBody>
@@ -6182,7 +6183,7 @@
                     <a:p>
                       <a:r>
                         <a:rPr lang="en-GB" sz="1400" dirty="0"/>
-                        <a:t>11:25 – 12:25</a:t>
+                        <a:t>16:25 – 17:25</a:t>
                       </a:r>
                     </a:p>
                   </a:txBody>
@@ -6233,7 +6234,7 @@
                     <a:p>
                       <a:r>
                         <a:rPr lang="en-GB" sz="1400" dirty="0"/>
-                        <a:t>12:25 – 12:30</a:t>
+                        <a:t>17:25 – 17:30</a:t>
                       </a:r>
                     </a:p>
                   </a:txBody>

--- a/lectures/src/Welcome and overview.pptx
+++ b/lectures/src/Welcome and overview.pptx
@@ -194,7 +194,7 @@
           <a:p>
             <a:fld id="{237A3326-6BE8-4DE2-A526-66D6DC5DC342}" type="datetimeFigureOut">
               <a:rPr lang="en-GB" smtClean="0"/>
-              <a:t>01/09/2025</a:t>
+              <a:t>02/09/2025</a:t>
             </a:fld>
             <a:endParaRPr lang="en-GB"/>
           </a:p>
@@ -371,7 +371,7 @@
           <a:p>
             <a:fld id="{198E9702-0021-4473-93B9-41638846F4C4}" type="datetimeFigureOut">
               <a:rPr lang="en-GB" smtClean="0"/>
-              <a:t>01/09/2025</a:t>
+              <a:t>02/09/2025</a:t>
             </a:fld>
             <a:endParaRPr lang="en-GB"/>
           </a:p>
@@ -883,7 +883,7 @@
           <a:p>
             <a:fld id="{B1836D41-3C4D-1D49-AA54-4231464E6415}" type="datetimeFigureOut">
               <a:rPr lang="en-US" smtClean="0"/>
-              <a:t>9/1/2025</a:t>
+              <a:t>9/2/2025</a:t>
             </a:fld>
             <a:endParaRPr lang="en-US"/>
           </a:p>
@@ -1087,7 +1087,7 @@
           <a:p>
             <a:fld id="{B1836D41-3C4D-1D49-AA54-4231464E6415}" type="datetimeFigureOut">
               <a:rPr lang="en-US" smtClean="0"/>
-              <a:t>9/1/2025</a:t>
+              <a:t>9/2/2025</a:t>
             </a:fld>
             <a:endParaRPr lang="en-US"/>
           </a:p>
@@ -1268,7 +1268,7 @@
           <a:p>
             <a:fld id="{B1836D41-3C4D-1D49-AA54-4231464E6415}" type="datetimeFigureOut">
               <a:rPr lang="en-US" smtClean="0"/>
-              <a:t>9/1/2025</a:t>
+              <a:t>9/2/2025</a:t>
             </a:fld>
             <a:endParaRPr lang="en-US"/>
           </a:p>
@@ -1443,7 +1443,7 @@
           <a:p>
             <a:fld id="{B1836D41-3C4D-1D49-AA54-4231464E6415}" type="datetimeFigureOut">
               <a:rPr lang="en-US" smtClean="0"/>
-              <a:t>9/1/2025</a:t>
+              <a:t>9/2/2025</a:t>
             </a:fld>
             <a:endParaRPr lang="en-US"/>
           </a:p>
@@ -1691,7 +1691,7 @@
           <a:p>
             <a:fld id="{B1836D41-3C4D-1D49-AA54-4231464E6415}" type="datetimeFigureOut">
               <a:rPr lang="en-US" smtClean="0"/>
-              <a:t>9/1/2025</a:t>
+              <a:t>9/2/2025</a:t>
             </a:fld>
             <a:endParaRPr lang="en-US"/>
           </a:p>
@@ -2008,7 +2008,7 @@
           <a:p>
             <a:fld id="{B1836D41-3C4D-1D49-AA54-4231464E6415}" type="datetimeFigureOut">
               <a:rPr lang="en-US" smtClean="0"/>
-              <a:t>9/1/2025</a:t>
+              <a:t>9/2/2025</a:t>
             </a:fld>
             <a:endParaRPr lang="en-US"/>
           </a:p>
@@ -2474,7 +2474,7 @@
           <a:p>
             <a:fld id="{B1836D41-3C4D-1D49-AA54-4231464E6415}" type="datetimeFigureOut">
               <a:rPr lang="en-US" smtClean="0"/>
-              <a:t>9/1/2025</a:t>
+              <a:t>9/2/2025</a:t>
             </a:fld>
             <a:endParaRPr lang="en-US"/>
           </a:p>
@@ -2621,7 +2621,7 @@
           <a:p>
             <a:fld id="{B1836D41-3C4D-1D49-AA54-4231464E6415}" type="datetimeFigureOut">
               <a:rPr lang="en-US" smtClean="0"/>
-              <a:t>9/1/2025</a:t>
+              <a:t>9/2/2025</a:t>
             </a:fld>
             <a:endParaRPr lang="en-US"/>
           </a:p>
@@ -2711,7 +2711,7 @@
           <a:p>
             <a:fld id="{B1836D41-3C4D-1D49-AA54-4231464E6415}" type="datetimeFigureOut">
               <a:rPr lang="en-US" smtClean="0"/>
-              <a:t>9/1/2025</a:t>
+              <a:t>9/2/2025</a:t>
             </a:fld>
             <a:endParaRPr lang="en-US"/>
           </a:p>
@@ -2985,7 +2985,7 @@
           <a:p>
             <a:fld id="{B1836D41-3C4D-1D49-AA54-4231464E6415}" type="datetimeFigureOut">
               <a:rPr lang="en-US" smtClean="0"/>
-              <a:t>9/1/2025</a:t>
+              <a:t>9/2/2025</a:t>
             </a:fld>
             <a:endParaRPr lang="en-US"/>
           </a:p>
@@ -3290,7 +3290,7 @@
           <a:p>
             <a:fld id="{B1836D41-3C4D-1D49-AA54-4231464E6415}" type="datetimeFigureOut">
               <a:rPr lang="en-US" smtClean="0"/>
-              <a:t>9/1/2025</a:t>
+              <a:t>9/2/2025</a:t>
             </a:fld>
             <a:endParaRPr lang="en-US"/>
           </a:p>
@@ -3587,7 +3587,7 @@
           <a:p>
             <a:fld id="{B1836D41-3C4D-1D49-AA54-4231464E6415}" type="datetimeFigureOut">
               <a:rPr lang="en-US" smtClean="0"/>
-              <a:t>9/1/2025</a:t>
+              <a:t>9/2/2025</a:t>
             </a:fld>
             <a:endParaRPr lang="en-US"/>
           </a:p>
@@ -5615,7 +5615,7 @@
           <p:nvPr>
             <p:extLst>
               <p:ext uri="{D42A27DB-BD31-4B8C-83A1-F6EECF244321}">
-                <p14:modId xmlns:p14="http://schemas.microsoft.com/office/powerpoint/2010/main" val="3451856883"/>
+                <p14:modId xmlns:p14="http://schemas.microsoft.com/office/powerpoint/2010/main" val="2256113992"/>
               </p:ext>
             </p:extLst>
           </p:nvPr>
@@ -5941,7 +5941,7 @@
                           <a:ea typeface="+mn-ea"/>
                           <a:cs typeface="+mn-cs"/>
                         </a:rPr>
-                        <a:t>Introduction to the SDK (lecture and two </a:t>
+                        <a:t>Introduction to the SDK &amp; data movement (lecture and two </a:t>
                       </a:r>
                       <a:r>
                         <a:rPr lang="en-GB" sz="1400" kern="1200" dirty="0" err="1">
